--- a/berkas buat buku/cover buku/cover buku depan.pptx
+++ b/berkas buat buku/cover buku/cover buku depan.pptx
@@ -245,7 +245,7 @@
           <a:p>
             <a:fld id="{CF346C2E-F0E9-4337-98E9-3568FCCC73E9}" type="datetimeFigureOut">
               <a:rPr lang="id-ID" smtClean="0"/>
-              <a:t>12/03/2020</a:t>
+              <a:t>01/04/2020</a:t>
             </a:fld>
             <a:endParaRPr lang="id-ID"/>
           </a:p>
@@ -415,7 +415,7 @@
           <a:p>
             <a:fld id="{CF346C2E-F0E9-4337-98E9-3568FCCC73E9}" type="datetimeFigureOut">
               <a:rPr lang="id-ID" smtClean="0"/>
-              <a:t>12/03/2020</a:t>
+              <a:t>01/04/2020</a:t>
             </a:fld>
             <a:endParaRPr lang="id-ID"/>
           </a:p>
@@ -595,7 +595,7 @@
           <a:p>
             <a:fld id="{CF346C2E-F0E9-4337-98E9-3568FCCC73E9}" type="datetimeFigureOut">
               <a:rPr lang="id-ID" smtClean="0"/>
-              <a:t>12/03/2020</a:t>
+              <a:t>01/04/2020</a:t>
             </a:fld>
             <a:endParaRPr lang="id-ID"/>
           </a:p>
@@ -765,7 +765,7 @@
           <a:p>
             <a:fld id="{CF346C2E-F0E9-4337-98E9-3568FCCC73E9}" type="datetimeFigureOut">
               <a:rPr lang="id-ID" smtClean="0"/>
-              <a:t>12/03/2020</a:t>
+              <a:t>01/04/2020</a:t>
             </a:fld>
             <a:endParaRPr lang="id-ID"/>
           </a:p>
@@ -1009,7 +1009,7 @@
           <a:p>
             <a:fld id="{CF346C2E-F0E9-4337-98E9-3568FCCC73E9}" type="datetimeFigureOut">
               <a:rPr lang="id-ID" smtClean="0"/>
-              <a:t>12/03/2020</a:t>
+              <a:t>01/04/2020</a:t>
             </a:fld>
             <a:endParaRPr lang="id-ID"/>
           </a:p>
@@ -1241,7 +1241,7 @@
           <a:p>
             <a:fld id="{CF346C2E-F0E9-4337-98E9-3568FCCC73E9}" type="datetimeFigureOut">
               <a:rPr lang="id-ID" smtClean="0"/>
-              <a:t>12/03/2020</a:t>
+              <a:t>01/04/2020</a:t>
             </a:fld>
             <a:endParaRPr lang="id-ID"/>
           </a:p>
@@ -1608,7 +1608,7 @@
           <a:p>
             <a:fld id="{CF346C2E-F0E9-4337-98E9-3568FCCC73E9}" type="datetimeFigureOut">
               <a:rPr lang="id-ID" smtClean="0"/>
-              <a:t>12/03/2020</a:t>
+              <a:t>01/04/2020</a:t>
             </a:fld>
             <a:endParaRPr lang="id-ID"/>
           </a:p>
@@ -1726,7 +1726,7 @@
           <a:p>
             <a:fld id="{CF346C2E-F0E9-4337-98E9-3568FCCC73E9}" type="datetimeFigureOut">
               <a:rPr lang="id-ID" smtClean="0"/>
-              <a:t>12/03/2020</a:t>
+              <a:t>01/04/2020</a:t>
             </a:fld>
             <a:endParaRPr lang="id-ID"/>
           </a:p>
@@ -1821,7 +1821,7 @@
           <a:p>
             <a:fld id="{CF346C2E-F0E9-4337-98E9-3568FCCC73E9}" type="datetimeFigureOut">
               <a:rPr lang="id-ID" smtClean="0"/>
-              <a:t>12/03/2020</a:t>
+              <a:t>01/04/2020</a:t>
             </a:fld>
             <a:endParaRPr lang="id-ID"/>
           </a:p>
@@ -2098,7 +2098,7 @@
           <a:p>
             <a:fld id="{CF346C2E-F0E9-4337-98E9-3568FCCC73E9}" type="datetimeFigureOut">
               <a:rPr lang="id-ID" smtClean="0"/>
-              <a:t>12/03/2020</a:t>
+              <a:t>01/04/2020</a:t>
             </a:fld>
             <a:endParaRPr lang="id-ID"/>
           </a:p>
@@ -2355,7 +2355,7 @@
           <a:p>
             <a:fld id="{CF346C2E-F0E9-4337-98E9-3568FCCC73E9}" type="datetimeFigureOut">
               <a:rPr lang="id-ID" smtClean="0"/>
-              <a:t>12/03/2020</a:t>
+              <a:t>01/04/2020</a:t>
             </a:fld>
             <a:endParaRPr lang="id-ID"/>
           </a:p>
@@ -2568,7 +2568,7 @@
           <a:p>
             <a:fld id="{CF346C2E-F0E9-4337-98E9-3568FCCC73E9}" type="datetimeFigureOut">
               <a:rPr lang="id-ID" smtClean="0"/>
-              <a:t>12/03/2020</a:t>
+              <a:t>01/04/2020</a:t>
             </a:fld>
             <a:endParaRPr lang="id-ID"/>
           </a:p>
@@ -3395,8 +3395,8 @@
         </p:nvSpPr>
         <p:spPr>
           <a:xfrm>
-            <a:off x="1530784" y="6421463"/>
-            <a:ext cx="2272417" cy="369332"/>
+            <a:off x="1900597" y="6425748"/>
+            <a:ext cx="1532792" cy="369332"/>
           </a:xfrm>
           <a:prstGeom prst="rect">
             <a:avLst/>
@@ -3423,7 +3423,7 @@
                 </a:effectLst>
                 <a:latin typeface="Rockwell" panose="02060603020205020403" pitchFamily="18" charset="0"/>
               </a:rPr>
-              <a:t>Cokro Edi Prawiro</a:t>
+              <a:t>Cokro Edi P</a:t>
             </a:r>
             <a:endParaRPr lang="id-ID" b="1" dirty="0">
               <a:solidFill>
